--- a/Covid 19 Tester.pptx
+++ b/Covid 19 Tester.pptx
@@ -120,7 +120,7 @@
   </p:defaultTextStyle>
   <p:extLst>
     <p:ext uri="{EFAFB233-063F-42B5-8137-9DF3F51BA10A}">
-      <p15:sldGuideLst xmlns:p15="http://schemas.microsoft.com/office/powerpoint/2012/main"/>
+      <p15:sldGuideLst xmlns:p15="http://schemas.microsoft.com/office/powerpoint/2012/main" xmlns=""/>
     </p:ext>
   </p:extLst>
 </p:presentation>
@@ -1023,6 +1023,13 @@
         </dgm:presLayoutVars>
       </dgm:prSet>
       <dgm:spPr/>
+      <dgm:t>
+        <a:bodyPr/>
+        <a:lstStyle/>
+        <a:p>
+          <a:endParaRPr lang="en-US"/>
+        </a:p>
+      </dgm:t>
     </dgm:pt>
     <dgm:pt modelId="{DE9CE479-E4AE-4283-AEF1-10C1535B4324}" type="pres">
       <dgm:prSet presAssocID="{40FC4FFE-8987-4A26-B7F4-8A516F18ADAE}" presName="compNode" presStyleCnt="0"/>
@@ -1063,6 +1070,13 @@
         </dgm:presLayoutVars>
       </dgm:prSet>
       <dgm:spPr/>
+      <dgm:t>
+        <a:bodyPr/>
+        <a:lstStyle/>
+        <a:p>
+          <a:endParaRPr lang="en-US"/>
+        </a:p>
+      </dgm:t>
     </dgm:pt>
     <dgm:pt modelId="{FD1EED9C-83D3-41AD-A09B-D3B36354168F}" type="pres">
       <dgm:prSet presAssocID="{5B62599A-5C9B-48E7-896E-EA782AC60C8B}" presName="sibTrans" presStyleCnt="0"/>
@@ -1107,6 +1121,13 @@
         </dgm:presLayoutVars>
       </dgm:prSet>
       <dgm:spPr/>
+      <dgm:t>
+        <a:bodyPr/>
+        <a:lstStyle/>
+        <a:p>
+          <a:endParaRPr lang="en-US"/>
+        </a:p>
+      </dgm:t>
     </dgm:pt>
     <dgm:pt modelId="{5A266296-0042-402F-92EF-D59AB148E92E}" type="pres">
       <dgm:prSet presAssocID="{9646853A-8964-4519-A5B1-0B7D18B2983D}" presName="sibTrans" presStyleCnt="0"/>
@@ -1131,7 +1152,7 @@
           <a:blip xmlns:r="http://schemas.openxmlformats.org/officeDocument/2006/relationships" r:embed="rId3">
             <a:extLst>
               <a:ext uri="{28A0092B-C50C-407E-A947-70E740481C1C}">
-                <a14:useLocalDpi xmlns:a14="http://schemas.microsoft.com/office/drawing/2010/main" val="0"/>
+                <a14:useLocalDpi xmlns:a14="http://schemas.microsoft.com/office/drawing/2010/main" xmlns="" val="0"/>
               </a:ext>
             </a:extLst>
           </a:blip>
@@ -1157,16 +1178,23 @@
         </dgm:presLayoutVars>
       </dgm:prSet>
       <dgm:spPr/>
+      <dgm:t>
+        <a:bodyPr/>
+        <a:lstStyle/>
+        <a:p>
+          <a:endParaRPr lang="en-US"/>
+        </a:p>
+      </dgm:t>
     </dgm:pt>
   </dgm:ptLst>
   <dgm:cxnLst>
+    <dgm:cxn modelId="{C7AD8469-3C68-4AF9-AB82-79B0043AA120}" srcId="{01A66772-F185-4D58-B8BB-E9370D7A7A2B}" destId="{40FC4FFE-8987-4A26-B7F4-8A516F18ADAE}" srcOrd="0" destOrd="0" parTransId="{CAD7EF86-FB23-41F6-BF42-040B36DEFDB1}" sibTransId="{5B62599A-5C9B-48E7-896E-EA782AC60C8B}"/>
+    <dgm:cxn modelId="{C4CCE57E-E871-46D6-BAD5-880252C95D22}" srcId="{01A66772-F185-4D58-B8BB-E9370D7A7A2B}" destId="{1C383F32-22E8-4F62-A3E0-BDC3D5F48992}" srcOrd="2" destOrd="0" parTransId="{A7920A2F-3244-4159-AF04-6A1D38B7B317}" sibTransId="{8500F72A-2C6D-4FDF-9C1D-CA691380EB0B}"/>
+    <dgm:cxn modelId="{355227E3-55E0-4343-BC8D-FC0EB1694F48}" type="presOf" srcId="{40FC4FFE-8987-4A26-B7F4-8A516F18ADAE}" destId="{127117FB-F8A7-4A20-A8A7-EC686DDC76D0}" srcOrd="0" destOrd="0" presId="urn:microsoft.com/office/officeart/2018/5/layout/IconCircleLabelList"/>
     <dgm:cxn modelId="{A9154303-8225-4248-91DC-1B0156A35F07}" srcId="{01A66772-F185-4D58-B8BB-E9370D7A7A2B}" destId="{49225C73-1633-42F1-AB3B-7CB183E5F8B8}" srcOrd="1" destOrd="0" parTransId="{1A0E2090-1D4F-438A-8766-B6030CE01ADD}" sibTransId="{9646853A-8964-4519-A5B1-0B7D18B2983D}"/>
-    <dgm:cxn modelId="{7A710F69-5154-4855-ACF5-BC7C1BF85A80}" type="presOf" srcId="{49225C73-1633-42F1-AB3B-7CB183E5F8B8}" destId="{7E6FE37A-5DB0-4899-9FCB-0CE39BC185F8}" srcOrd="0" destOrd="0" presId="urn:microsoft.com/office/officeart/2018/5/layout/IconCircleLabelList"/>
-    <dgm:cxn modelId="{C7AD8469-3C68-4AF9-AB82-79B0043AA120}" srcId="{01A66772-F185-4D58-B8BB-E9370D7A7A2B}" destId="{40FC4FFE-8987-4A26-B7F4-8A516F18ADAE}" srcOrd="0" destOrd="0" parTransId="{CAD7EF86-FB23-41F6-BF42-040B36DEFDB1}" sibTransId="{5B62599A-5C9B-48E7-896E-EA782AC60C8B}"/>
     <dgm:cxn modelId="{676D3A6A-6EA7-4483-BB12-0BD4A7D7AF9D}" type="presOf" srcId="{01A66772-F185-4D58-B8BB-E9370D7A7A2B}" destId="{50B3CE7C-E10B-4E23-BD93-03664997C932}" srcOrd="0" destOrd="0" presId="urn:microsoft.com/office/officeart/2018/5/layout/IconCircleLabelList"/>
     <dgm:cxn modelId="{1496FC70-DB8B-48D4-98DE-DD2856E389EE}" type="presOf" srcId="{1C383F32-22E8-4F62-A3E0-BDC3D5F48992}" destId="{1AEDC777-00B3-41D7-9AE1-23D741E941C3}" srcOrd="0" destOrd="0" presId="urn:microsoft.com/office/officeart/2018/5/layout/IconCircleLabelList"/>
-    <dgm:cxn modelId="{C4CCE57E-E871-46D6-BAD5-880252C95D22}" srcId="{01A66772-F185-4D58-B8BB-E9370D7A7A2B}" destId="{1C383F32-22E8-4F62-A3E0-BDC3D5F48992}" srcOrd="2" destOrd="0" parTransId="{A7920A2F-3244-4159-AF04-6A1D38B7B317}" sibTransId="{8500F72A-2C6D-4FDF-9C1D-CA691380EB0B}"/>
-    <dgm:cxn modelId="{355227E3-55E0-4343-BC8D-FC0EB1694F48}" type="presOf" srcId="{40FC4FFE-8987-4A26-B7F4-8A516F18ADAE}" destId="{127117FB-F8A7-4A20-A8A7-EC686DDC76D0}" srcOrd="0" destOrd="0" presId="urn:microsoft.com/office/officeart/2018/5/layout/IconCircleLabelList"/>
+    <dgm:cxn modelId="{7A710F69-5154-4855-ACF5-BC7C1BF85A80}" type="presOf" srcId="{49225C73-1633-42F1-AB3B-7CB183E5F8B8}" destId="{7E6FE37A-5DB0-4899-9FCB-0CE39BC185F8}" srcOrd="0" destOrd="0" presId="urn:microsoft.com/office/officeart/2018/5/layout/IconCircleLabelList"/>
     <dgm:cxn modelId="{555498CB-3ED1-404E-A25F-EB243EFC5FB1}" type="presParOf" srcId="{50B3CE7C-E10B-4E23-BD93-03664997C932}" destId="{DE9CE479-E4AE-4283-AEF1-10C1535B4324}" srcOrd="0" destOrd="0" presId="urn:microsoft.com/office/officeart/2018/5/layout/IconCircleLabelList"/>
     <dgm:cxn modelId="{11F12D49-CD08-4D50-BD13-3ECBC3A476A4}" type="presParOf" srcId="{DE9CE479-E4AE-4283-AEF1-10C1535B4324}" destId="{B59FCF02-CAD2-4D6F-9542-AD86711168CA}" srcOrd="0" destOrd="0" presId="urn:microsoft.com/office/officeart/2018/5/layout/IconCircleLabelList"/>
     <dgm:cxn modelId="{F443A659-540B-487B-97F9-49219CF60D6B}" type="presParOf" srcId="{DE9CE479-E4AE-4283-AEF1-10C1535B4324}" destId="{7C175B98-93F4-4D7C-BB95-1514AB879CD5}" srcOrd="1" destOrd="0" presId="urn:microsoft.com/office/officeart/2018/5/layout/IconCircleLabelList"/>
@@ -1189,14 +1217,14 @@
   <dgm:whole/>
   <dgm:extLst>
     <a:ext uri="http://schemas.microsoft.com/office/drawing/2008/diagram">
-      <dsp:dataModelExt xmlns:dsp="http://schemas.microsoft.com/office/drawing/2008/diagram" relId="rId6" minVer="http://schemas.openxmlformats.org/drawingml/2006/diagram"/>
+      <dsp:dataModelExt xmlns:dsp="http://schemas.microsoft.com/office/drawing/2008/diagram" xmlns="" relId="rId6" minVer="http://schemas.openxmlformats.org/drawingml/2006/diagram"/>
     </a:ext>
   </dgm:extLst>
 </dgm:dataModel>
 </file>
 
 <file path=ppt/diagrams/drawing1.xml><?xml version="1.0" encoding="utf-8"?>
-<dsp:drawing xmlns:dgm="http://schemas.openxmlformats.org/drawingml/2006/diagram" xmlns:dsp="http://schemas.microsoft.com/office/drawing/2008/diagram" xmlns:a="http://schemas.openxmlformats.org/drawingml/2006/main">
+<dsp:drawing xmlns:dgm="http://schemas.openxmlformats.org/drawingml/2006/diagram" xmlns:a="http://schemas.openxmlformats.org/drawingml/2006/main" xmlns:dsp="http://schemas.microsoft.com/office/drawing/2008/diagram">
   <dsp:spTree>
     <dsp:nvGrpSpPr>
       <dsp:cNvPr id="0" name=""/>
@@ -1315,7 +1343,7 @@
         </a:bodyPr>
         <a:lstStyle/>
         <a:p>
-          <a:pPr marL="0" lvl="0" indent="0" algn="ctr" defTabSz="1155700">
+          <a:pPr lvl="0" algn="ctr" defTabSz="1155700">
             <a:lnSpc>
               <a:spcPct val="100000"/>
             </a:lnSpc>
@@ -1325,7 +1353,6 @@
             <a:spcAft>
               <a:spcPct val="35000"/>
             </a:spcAft>
-            <a:buNone/>
             <a:defRPr cap="all"/>
           </a:pPr>
           <a:r>
@@ -1451,7 +1478,7 @@
         </a:bodyPr>
         <a:lstStyle/>
         <a:p>
-          <a:pPr marL="0" lvl="0" indent="0" algn="ctr" defTabSz="1155700">
+          <a:pPr lvl="0" algn="ctr" defTabSz="1155700">
             <a:lnSpc>
               <a:spcPct val="100000"/>
             </a:lnSpc>
@@ -1461,7 +1488,6 @@
             <a:spcAft>
               <a:spcPct val="35000"/>
             </a:spcAft>
-            <a:buNone/>
             <a:defRPr cap="all"/>
           </a:pPr>
           <a:r>
@@ -1526,7 +1552,7 @@
           <a:blip xmlns:r="http://schemas.openxmlformats.org/officeDocument/2006/relationships" r:embed="rId3">
             <a:extLst>
               <a:ext uri="{28A0092B-C50C-407E-A947-70E740481C1C}">
-                <a14:useLocalDpi xmlns:a14="http://schemas.microsoft.com/office/drawing/2010/main" val="0"/>
+                <a14:useLocalDpi xmlns:a14="http://schemas.microsoft.com/office/drawing/2010/main" xmlns="" val="0"/>
               </a:ext>
             </a:extLst>
           </a:blip>
@@ -1593,7 +1619,7 @@
         </a:bodyPr>
         <a:lstStyle/>
         <a:p>
-          <a:pPr marL="0" lvl="0" indent="0" algn="ctr" defTabSz="1155700">
+          <a:pPr lvl="0" algn="ctr" defTabSz="1155700">
             <a:lnSpc>
               <a:spcPct val="100000"/>
             </a:lnSpc>
@@ -1603,7 +1629,6 @@
             <a:spcAft>
               <a:spcPct val="35000"/>
             </a:spcAft>
-            <a:buNone/>
             <a:defRPr cap="all"/>
           </a:pPr>
           <a:r>
@@ -1823,7 +1848,7 @@
   </dgm:layoutNode>
   <dgm:extLst>
     <a:ext uri="{68A01E43-0DF5-4B5B-8FA6-DAF915123BFB}">
-      <dgm1612:lstStyle xmlns:dgm1612="http://schemas.microsoft.com/office/drawing/2016/12/diagram">
+      <dgm1612:lstStyle xmlns:dgm1612="http://schemas.microsoft.com/office/drawing/2016/12/diagram" xmlns="">
         <a:lvl1pPr>
           <a:lnSpc>
             <a:spcPct val="100000"/>
@@ -2952,7 +2977,8 @@
           <a:p>
             <a:fld id="{C452ADB1-275D-430A-89EE-5C7E6CFF6FF2}" type="datetimeFigureOut">
               <a:rPr lang="en-US" smtClean="0"/>
-              <a:t>7/1/2020</a:t>
+              <a:pPr/>
+              <a:t>7/2/2020</a:t>
             </a:fld>
             <a:endParaRPr lang="en-US" dirty="0"/>
           </a:p>
@@ -3110,6 +3136,7 @@
           <a:p>
             <a:fld id="{4B725628-3A68-42F4-BA86-981817953149}" type="slidenum">
               <a:rPr lang="en-US" smtClean="0"/>
+              <a:pPr/>
               <a:t>‹#›</a:t>
             </a:fld>
             <a:endParaRPr lang="en-US" dirty="0"/>
@@ -3119,7 +3146,7 @@
     </p:spTree>
     <p:extLst>
       <p:ext uri="{BB962C8B-B14F-4D97-AF65-F5344CB8AC3E}">
-        <p14:creationId xmlns:p14="http://schemas.microsoft.com/office/powerpoint/2010/main" val="649258610"/>
+        <p14:creationId xmlns:p14="http://schemas.microsoft.com/office/powerpoint/2010/main" xmlns="" val="649258610"/>
       </p:ext>
     </p:extLst>
   </p:cSld>
@@ -12012,7 +12039,8 @@
           <a:p>
             <a:fld id="{7005E26E-BCB2-4FD5-8FD5-81A5EAE94C21}" type="datetime1">
               <a:rPr lang="en-US" smtClean="0"/>
-              <a:t>7/1/2020</a:t>
+              <a:pPr/>
+              <a:t>7/2/2020</a:t>
             </a:fld>
             <a:endParaRPr lang="en-US" dirty="0"/>
           </a:p>
@@ -12054,6 +12082,7 @@
           <a:p>
             <a:fld id="{4FAB73BC-B049-4115-A692-8D63A059BFB8}" type="slidenum">
               <a:rPr lang="en-US" dirty="0"/>
+              <a:pPr/>
               <a:t>‹#›</a:t>
             </a:fld>
             <a:endParaRPr lang="en-US" dirty="0"/>
@@ -12214,7 +12243,8 @@
           <a:p>
             <a:fld id="{9CC2E9B8-0487-42E4-B571-744A3D775783}" type="datetime1">
               <a:rPr lang="en-US" smtClean="0"/>
-              <a:t>7/1/2020</a:t>
+              <a:pPr/>
+              <a:t>7/2/2020</a:t>
             </a:fld>
             <a:endParaRPr lang="en-US" dirty="0"/>
           </a:p>
@@ -12256,6 +12286,7 @@
           <a:p>
             <a:fld id="{4FAB73BC-B049-4115-A692-8D63A059BFB8}" type="slidenum">
               <a:rPr lang="en-US" dirty="0"/>
+              <a:pPr/>
               <a:t>‹#›</a:t>
             </a:fld>
             <a:endParaRPr lang="en-US" dirty="0"/>
@@ -12389,7 +12420,8 @@
           <a:p>
             <a:fld id="{9052E32D-1E84-43FD-8158-FFFE757EB0E8}" type="datetime1">
               <a:rPr lang="en-US" smtClean="0"/>
-              <a:t>7/1/2020</a:t>
+              <a:pPr/>
+              <a:t>7/2/2020</a:t>
             </a:fld>
             <a:endParaRPr lang="en-US" dirty="0"/>
           </a:p>
@@ -12431,6 +12463,7 @@
           <a:p>
             <a:fld id="{4FAB73BC-B049-4115-A692-8D63A059BFB8}" type="slidenum">
               <a:rPr lang="en-US" dirty="0"/>
+              <a:pPr/>
               <a:t>‹#›</a:t>
             </a:fld>
             <a:endParaRPr lang="en-US" dirty="0"/>
@@ -12589,7 +12622,8 @@
           <a:p>
             <a:fld id="{8585C470-CD19-455C-B830-6D252EAD7FE5}" type="datetime1">
               <a:rPr lang="en-US" smtClean="0"/>
-              <a:t>7/1/2020</a:t>
+              <a:pPr/>
+              <a:t>7/2/2020</a:t>
             </a:fld>
             <a:endParaRPr lang="en-US" dirty="0"/>
           </a:p>
@@ -12631,6 +12665,7 @@
           <a:p>
             <a:fld id="{4FAB73BC-B049-4115-A692-8D63A059BFB8}" type="slidenum">
               <a:rPr lang="en-US" dirty="0"/>
+              <a:pPr/>
               <a:t>‹#›</a:t>
             </a:fld>
             <a:endParaRPr lang="en-US" dirty="0"/>
@@ -21482,7 +21517,8 @@
           <a:p>
             <a:fld id="{7F85C43C-50D9-4F49-A136-0EFF292F93ED}" type="datetime1">
               <a:rPr lang="en-US" smtClean="0"/>
-              <a:t>7/1/2020</a:t>
+              <a:pPr/>
+              <a:t>7/2/2020</a:t>
             </a:fld>
             <a:endParaRPr lang="en-US" dirty="0"/>
           </a:p>
@@ -21524,6 +21560,7 @@
           <a:p>
             <a:fld id="{4FAB73BC-B049-4115-A692-8D63A059BFB8}" type="slidenum">
               <a:rPr lang="en-US" dirty="0"/>
+              <a:pPr/>
               <a:t>‹#›</a:t>
             </a:fld>
             <a:endParaRPr lang="en-US" dirty="0"/>
@@ -21751,7 +21788,8 @@
           <a:p>
             <a:fld id="{7B53B1A3-0AEF-4064-A724-D27D660C8653}" type="datetime1">
               <a:rPr lang="en-US" smtClean="0"/>
-              <a:t>7/1/2020</a:t>
+              <a:pPr/>
+              <a:t>7/2/2020</a:t>
             </a:fld>
             <a:endParaRPr lang="en-US" dirty="0"/>
           </a:p>
@@ -21793,6 +21831,7 @@
           <a:p>
             <a:fld id="{4FAB73BC-B049-4115-A692-8D63A059BFB8}" type="slidenum">
               <a:rPr lang="en-US" dirty="0"/>
+              <a:pPr/>
               <a:t>‹#›</a:t>
             </a:fld>
             <a:endParaRPr lang="en-US" dirty="0"/>
@@ -22144,7 +22183,8 @@
           <a:p>
             <a:fld id="{37D5D0F2-BF66-4A24-9384-A0129B196518}" type="datetime1">
               <a:rPr lang="en-US" smtClean="0"/>
-              <a:t>7/1/2020</a:t>
+              <a:pPr/>
+              <a:t>7/2/2020</a:t>
             </a:fld>
             <a:endParaRPr lang="en-US" dirty="0"/>
           </a:p>
@@ -22186,6 +22226,7 @@
           <a:p>
             <a:fld id="{4FAB73BC-B049-4115-A692-8D63A059BFB8}" type="slidenum">
               <a:rPr lang="en-US" dirty="0"/>
+              <a:pPr/>
               <a:t>‹#›</a:t>
             </a:fld>
             <a:endParaRPr lang="en-US" dirty="0"/>
@@ -22257,7 +22298,8 @@
           <a:p>
             <a:fld id="{8C318A6C-4F6B-48D2-BDB0-D7413B3FDB0A}" type="datetime1">
               <a:rPr lang="en-US" smtClean="0"/>
-              <a:t>7/1/2020</a:t>
+              <a:pPr/>
+              <a:t>7/2/2020</a:t>
             </a:fld>
             <a:endParaRPr lang="en-US" dirty="0"/>
           </a:p>
@@ -22299,6 +22341,7 @@
           <a:p>
             <a:fld id="{4FAB73BC-B049-4115-A692-8D63A059BFB8}" type="slidenum">
               <a:rPr lang="en-US" dirty="0"/>
+              <a:pPr/>
               <a:t>‹#›</a:t>
             </a:fld>
             <a:endParaRPr lang="en-US" dirty="0"/>
@@ -22347,7 +22390,8 @@
           <a:p>
             <a:fld id="{BF01ECED-6ECE-4989-B917-9D4D7E6D3C76}" type="datetime1">
               <a:rPr lang="en-US" smtClean="0"/>
-              <a:t>7/1/2020</a:t>
+              <a:pPr/>
+              <a:t>7/2/2020</a:t>
             </a:fld>
             <a:endParaRPr lang="en-US" dirty="0"/>
           </a:p>
@@ -22389,6 +22433,7 @@
           <a:p>
             <a:fld id="{4FAB73BC-B049-4115-A692-8D63A059BFB8}" type="slidenum">
               <a:rPr lang="en-US" dirty="0"/>
+              <a:pPr/>
               <a:t>‹#›</a:t>
             </a:fld>
             <a:endParaRPr lang="en-US" dirty="0"/>
@@ -22632,7 +22677,8 @@
           <a:p>
             <a:fld id="{E3B570E1-CB40-488E-8C6F-EF4211DFFCB0}" type="datetime1">
               <a:rPr lang="en-US" smtClean="0"/>
-              <a:t>7/1/2020</a:t>
+              <a:pPr/>
+              <a:t>7/2/2020</a:t>
             </a:fld>
             <a:endParaRPr lang="en-US" dirty="0"/>
           </a:p>
@@ -22674,6 +22720,7 @@
           <a:p>
             <a:fld id="{4FAB73BC-B049-4115-A692-8D63A059BFB8}" type="slidenum">
               <a:rPr lang="en-US" dirty="0"/>
+              <a:pPr/>
               <a:t>‹#›</a:t>
             </a:fld>
             <a:endParaRPr lang="en-US" dirty="0"/>
@@ -22907,7 +22954,8 @@
           <a:p>
             <a:fld id="{D1CEB6AF-9F5C-43BE-879E-CB9514111250}" type="datetime1">
               <a:rPr lang="en-US" smtClean="0"/>
-              <a:t>7/1/2020</a:t>
+              <a:pPr/>
+              <a:t>7/2/2020</a:t>
             </a:fld>
             <a:endParaRPr lang="en-US" dirty="0"/>
           </a:p>
@@ -22949,6 +22997,7 @@
           <a:p>
             <a:fld id="{867E5644-1E61-4311-A31E-84CB9C7AA8A9}" type="slidenum">
               <a:rPr lang="en-US" dirty="0"/>
+              <a:pPr/>
               <a:t>‹#›</a:t>
             </a:fld>
             <a:endParaRPr lang="en-US" dirty="0"/>
@@ -23152,7 +23201,8 @@
           <a:p>
             <a:fld id="{E7EE424C-FCA3-4EDD-B274-8E055D649B7D}" type="datetime1">
               <a:rPr lang="en-US" smtClean="0"/>
-              <a:t>7/1/2020</a:t>
+              <a:pPr/>
+              <a:t>7/2/2020</a:t>
             </a:fld>
             <a:endParaRPr lang="en-US" dirty="0"/>
           </a:p>
@@ -23664,10 +23714,10 @@
           <p:cNvPr id="19" name="Rectangle 18">
             <a:extLst>
               <a:ext uri="{FF2B5EF4-FFF2-40B4-BE49-F238E27FC236}">
-                <a16:creationId xmlns:a16="http://schemas.microsoft.com/office/drawing/2014/main" id="{2FDF0794-1B86-42B2-B8C7-F60123E638ED}"/>
+                <a16:creationId xmlns:a16="http://schemas.microsoft.com/office/drawing/2014/main" xmlns="" id="{2FDF0794-1B86-42B2-B8C7-F60123E638ED}"/>
               </a:ext>
               <a:ext uri="{C183D7F6-B498-43B3-948B-1728B52AA6E4}">
-                <adec:decorative xmlns:adec="http://schemas.microsoft.com/office/drawing/2017/decorative" val="1"/>
+                <adec:decorative xmlns:adec="http://schemas.microsoft.com/office/drawing/2017/decorative" xmlns="" val="1"/>
               </a:ext>
             </a:extLst>
           </p:cNvPr>
@@ -23677,7 +23727,7 @@
           <p:nvPr>
             <p:extLst>
               <p:ext uri="{386F3935-93C4-4BCD-93E2-E3B085C9AB24}">
-                <p16:designElem xmlns:p16="http://schemas.microsoft.com/office/powerpoint/2015/main" val="1"/>
+                <p16:designElem xmlns:p16="http://schemas.microsoft.com/office/powerpoint/2015/main" xmlns="" val="1"/>
               </p:ext>
             </p:extLst>
           </p:nvPr>
@@ -23727,10 +23777,10 @@
           <p:cNvPr id="5" name="Picture 4">
             <a:extLst>
               <a:ext uri="{FF2B5EF4-FFF2-40B4-BE49-F238E27FC236}">
-                <a16:creationId xmlns:a16="http://schemas.microsoft.com/office/drawing/2014/main" id="{230BD1B1-AA22-48F1-B3ED-579CD284605D}"/>
+                <a16:creationId xmlns:a16="http://schemas.microsoft.com/office/drawing/2014/main" xmlns="" id="{230BD1B1-AA22-48F1-B3ED-579CD284605D}"/>
               </a:ext>
               <a:ext uri="{C183D7F6-B498-43B3-948B-1728B52AA6E4}">
-                <adec:decorative xmlns:adec="http://schemas.microsoft.com/office/drawing/2017/decorative" val="1"/>
+                <adec:decorative xmlns:adec="http://schemas.microsoft.com/office/drawing/2017/decorative" xmlns="" val="1"/>
               </a:ext>
             </a:extLst>
           </p:cNvPr>
@@ -23759,10 +23809,10 @@
           <p:cNvPr id="21" name="Rectangle 20">
             <a:extLst>
               <a:ext uri="{FF2B5EF4-FFF2-40B4-BE49-F238E27FC236}">
-                <a16:creationId xmlns:a16="http://schemas.microsoft.com/office/drawing/2014/main" id="{EAA48FC5-3C83-4F1B-BC33-DF0B588F8317}"/>
+                <a16:creationId xmlns:a16="http://schemas.microsoft.com/office/drawing/2014/main" xmlns="" id="{EAA48FC5-3C83-4F1B-BC33-DF0B588F8317}"/>
               </a:ext>
               <a:ext uri="{C183D7F6-B498-43B3-948B-1728B52AA6E4}">
-                <adec:decorative xmlns:adec="http://schemas.microsoft.com/office/drawing/2017/decorative" val="1"/>
+                <adec:decorative xmlns:adec="http://schemas.microsoft.com/office/drawing/2017/decorative" xmlns="" val="1"/>
               </a:ext>
             </a:extLst>
           </p:cNvPr>
@@ -23772,7 +23822,7 @@
           <p:nvPr>
             <p:extLst>
               <p:ext uri="{386F3935-93C4-4BCD-93E2-E3B085C9AB24}">
-                <p16:designElem xmlns:p16="http://schemas.microsoft.com/office/powerpoint/2015/main" val="1"/>
+                <p16:designElem xmlns:p16="http://schemas.microsoft.com/office/powerpoint/2015/main" xmlns="" val="1"/>
               </p:ext>
             </p:extLst>
           </p:nvPr>
@@ -23822,7 +23872,7 @@
           <p:cNvPr id="2" name="Title 1">
             <a:extLst>
               <a:ext uri="{FF2B5EF4-FFF2-40B4-BE49-F238E27FC236}">
-                <a16:creationId xmlns:a16="http://schemas.microsoft.com/office/drawing/2014/main" id="{DE3D84FB-5D02-47D2-98FD-4F01A02E2AEA}"/>
+                <a16:creationId xmlns:a16="http://schemas.microsoft.com/office/drawing/2014/main" xmlns="" id="{DE3D84FB-5D02-47D2-98FD-4F01A02E2AEA}"/>
               </a:ext>
             </a:extLst>
           </p:cNvPr>
@@ -23870,7 +23920,7 @@
           <p:cNvPr id="3" name="Subtitle 2">
             <a:extLst>
               <a:ext uri="{FF2B5EF4-FFF2-40B4-BE49-F238E27FC236}">
-                <a16:creationId xmlns:a16="http://schemas.microsoft.com/office/drawing/2014/main" id="{E9F6641D-ADF3-40BD-9BA3-E740E77C8826}"/>
+                <a16:creationId xmlns:a16="http://schemas.microsoft.com/office/drawing/2014/main" xmlns="" id="{E9F6641D-ADF3-40BD-9BA3-E740E77C8826}"/>
               </a:ext>
             </a:extLst>
           </p:cNvPr>
@@ -23894,13 +23944,34 @@
           <a:lstStyle/>
           <a:p>
             <a:r>
+              <a:rPr lang="en-US" sz="2400" dirty="0" smtClean="0">
+                <a:solidFill>
+                  <a:srgbClr val="FFFFFF"/>
+                </a:solidFill>
+              </a:rPr>
+              <a:t>                             “</a:t>
+            </a:r>
+            <a:r>
               <a:rPr lang="en-US" sz="2400" dirty="0">
                 <a:solidFill>
                   <a:srgbClr val="FFFFFF"/>
                 </a:solidFill>
               </a:rPr>
-              <a:t>“Dedicated to our COVID Warriors- Our Doctors”</a:t>
+              <a:t>Dedicated to our COVID </a:t>
             </a:r>
+            <a:r>
+              <a:rPr lang="en-US" sz="2400" dirty="0" smtClean="0">
+                <a:solidFill>
+                  <a:srgbClr val="FFFFFF"/>
+                </a:solidFill>
+              </a:rPr>
+              <a:t>Warriors”</a:t>
+            </a:r>
+            <a:endParaRPr lang="en-US" sz="2400" dirty="0">
+              <a:solidFill>
+                <a:srgbClr val="FFFFFF"/>
+              </a:solidFill>
+            </a:endParaRPr>
           </a:p>
         </p:txBody>
       </p:sp>
@@ -23909,10 +23980,10 @@
           <p:cNvPr id="23" name="Straight Connector 22">
             <a:extLst>
               <a:ext uri="{FF2B5EF4-FFF2-40B4-BE49-F238E27FC236}">
-                <a16:creationId xmlns:a16="http://schemas.microsoft.com/office/drawing/2014/main" id="{62F01714-1A39-4194-BD47-8A9960C59985}"/>
+                <a16:creationId xmlns:a16="http://schemas.microsoft.com/office/drawing/2014/main" xmlns="" id="{62F01714-1A39-4194-BD47-8A9960C59985}"/>
               </a:ext>
               <a:ext uri="{C183D7F6-B498-43B3-948B-1728B52AA6E4}">
-                <adec:decorative xmlns:adec="http://schemas.microsoft.com/office/drawing/2017/decorative" val="1"/>
+                <adec:decorative xmlns:adec="http://schemas.microsoft.com/office/drawing/2017/decorative" xmlns="" val="1"/>
               </a:ext>
             </a:extLst>
           </p:cNvPr>
@@ -23922,7 +23993,7 @@
           <p:nvPr>
             <p:extLst>
               <p:ext uri="{386F3935-93C4-4BCD-93E2-E3B085C9AB24}">
-                <p16:designElem xmlns:p16="http://schemas.microsoft.com/office/powerpoint/2015/main" val="1"/>
+                <p16:designElem xmlns:p16="http://schemas.microsoft.com/office/powerpoint/2015/main" xmlns="" val="1"/>
               </p:ext>
             </p:extLst>
           </p:nvPr>
@@ -23959,7 +24030,7 @@
     </p:spTree>
     <p:extLst>
       <p:ext uri="{BB962C8B-B14F-4D97-AF65-F5344CB8AC3E}">
-        <p14:creationId xmlns:p14="http://schemas.microsoft.com/office/powerpoint/2010/main" val="2806257027"/>
+        <p14:creationId xmlns:p14="http://schemas.microsoft.com/office/powerpoint/2010/main" xmlns="" val="2806257027"/>
       </p:ext>
     </p:extLst>
   </p:cSld>
@@ -23991,7 +24062,7 @@
           <p:cNvPr id="2" name="Title 1">
             <a:extLst>
               <a:ext uri="{FF2B5EF4-FFF2-40B4-BE49-F238E27FC236}">
-                <a16:creationId xmlns:a16="http://schemas.microsoft.com/office/drawing/2014/main" id="{E0CC9158-14DB-48E3-9BB3-DE97ADBC1261}"/>
+                <a16:creationId xmlns:a16="http://schemas.microsoft.com/office/drawing/2014/main" xmlns="" id="{E0CC9158-14DB-48E3-9BB3-DE97ADBC1261}"/>
               </a:ext>
             </a:extLst>
           </p:cNvPr>
@@ -24026,7 +24097,7 @@
           <p:cNvPr id="3" name="Content Placeholder 2">
             <a:extLst>
               <a:ext uri="{FF2B5EF4-FFF2-40B4-BE49-F238E27FC236}">
-                <a16:creationId xmlns:a16="http://schemas.microsoft.com/office/drawing/2014/main" id="{77EAB09F-0DEC-47B4-8252-B59FE01EF780}"/>
+                <a16:creationId xmlns:a16="http://schemas.microsoft.com/office/drawing/2014/main" xmlns="" id="{77EAB09F-0DEC-47B4-8252-B59FE01EF780}"/>
               </a:ext>
             </a:extLst>
           </p:cNvPr>
@@ -24093,7 +24164,7 @@
     </p:spTree>
     <p:extLst>
       <p:ext uri="{BB962C8B-B14F-4D97-AF65-F5344CB8AC3E}">
-        <p14:creationId xmlns:p14="http://schemas.microsoft.com/office/powerpoint/2010/main" val="4278307091"/>
+        <p14:creationId xmlns:p14="http://schemas.microsoft.com/office/powerpoint/2010/main" xmlns="" val="4278307091"/>
       </p:ext>
     </p:extLst>
   </p:cSld>
@@ -24125,7 +24196,7 @@
           <p:cNvPr id="2" name="Title 1">
             <a:extLst>
               <a:ext uri="{FF2B5EF4-FFF2-40B4-BE49-F238E27FC236}">
-                <a16:creationId xmlns:a16="http://schemas.microsoft.com/office/drawing/2014/main" id="{E0CC9158-14DB-48E3-9BB3-DE97ADBC1261}"/>
+                <a16:creationId xmlns:a16="http://schemas.microsoft.com/office/drawing/2014/main" xmlns="" id="{E0CC9158-14DB-48E3-9BB3-DE97ADBC1261}"/>
               </a:ext>
             </a:extLst>
           </p:cNvPr>
@@ -24160,7 +24231,7 @@
           <p:cNvPr id="3" name="Content Placeholder 2">
             <a:extLst>
               <a:ext uri="{FF2B5EF4-FFF2-40B4-BE49-F238E27FC236}">
-                <a16:creationId xmlns:a16="http://schemas.microsoft.com/office/drawing/2014/main" id="{77EAB09F-0DEC-47B4-8252-B59FE01EF780}"/>
+                <a16:creationId xmlns:a16="http://schemas.microsoft.com/office/drawing/2014/main" xmlns="" id="{77EAB09F-0DEC-47B4-8252-B59FE01EF780}"/>
               </a:ext>
             </a:extLst>
           </p:cNvPr>
@@ -24217,7 +24288,7 @@
     </p:spTree>
     <p:extLst>
       <p:ext uri="{BB962C8B-B14F-4D97-AF65-F5344CB8AC3E}">
-        <p14:creationId xmlns:p14="http://schemas.microsoft.com/office/powerpoint/2010/main" val="2198157546"/>
+        <p14:creationId xmlns:p14="http://schemas.microsoft.com/office/powerpoint/2010/main" xmlns="" val="2198157546"/>
       </p:ext>
     </p:extLst>
   </p:cSld>
@@ -24257,10 +24328,10 @@
           <p:cNvPr id="19" name="Rectangle 18">
             <a:extLst>
               <a:ext uri="{FF2B5EF4-FFF2-40B4-BE49-F238E27FC236}">
-                <a16:creationId xmlns:a16="http://schemas.microsoft.com/office/drawing/2014/main" id="{2FDF0794-1B86-42B2-B8C7-F60123E638ED}"/>
+                <a16:creationId xmlns:a16="http://schemas.microsoft.com/office/drawing/2014/main" xmlns="" id="{2FDF0794-1B86-42B2-B8C7-F60123E638ED}"/>
               </a:ext>
               <a:ext uri="{C183D7F6-B498-43B3-948B-1728B52AA6E4}">
-                <adec:decorative xmlns:adec="http://schemas.microsoft.com/office/drawing/2017/decorative" val="1"/>
+                <adec:decorative xmlns:adec="http://schemas.microsoft.com/office/drawing/2017/decorative" xmlns="" val="1"/>
               </a:ext>
             </a:extLst>
           </p:cNvPr>
@@ -24270,7 +24341,7 @@
           <p:nvPr>
             <p:extLst>
               <p:ext uri="{386F3935-93C4-4BCD-93E2-E3B085C9AB24}">
-                <p16:designElem xmlns:p16="http://schemas.microsoft.com/office/powerpoint/2015/main" val="1"/>
+                <p16:designElem xmlns:p16="http://schemas.microsoft.com/office/powerpoint/2015/main" xmlns="" val="1"/>
               </p:ext>
             </p:extLst>
           </p:nvPr>
@@ -24320,10 +24391,10 @@
           <p:cNvPr id="5" name="Picture 4">
             <a:extLst>
               <a:ext uri="{FF2B5EF4-FFF2-40B4-BE49-F238E27FC236}">
-                <a16:creationId xmlns:a16="http://schemas.microsoft.com/office/drawing/2014/main" id="{230BD1B1-AA22-48F1-B3ED-579CD284605D}"/>
+                <a16:creationId xmlns:a16="http://schemas.microsoft.com/office/drawing/2014/main" xmlns="" id="{230BD1B1-AA22-48F1-B3ED-579CD284605D}"/>
               </a:ext>
               <a:ext uri="{C183D7F6-B498-43B3-948B-1728B52AA6E4}">
-                <adec:decorative xmlns:adec="http://schemas.microsoft.com/office/drawing/2017/decorative" val="1"/>
+                <adec:decorative xmlns:adec="http://schemas.microsoft.com/office/drawing/2017/decorative" xmlns="" val="1"/>
               </a:ext>
             </a:extLst>
           </p:cNvPr>
@@ -24352,10 +24423,10 @@
           <p:cNvPr id="21" name="Rectangle 20">
             <a:extLst>
               <a:ext uri="{FF2B5EF4-FFF2-40B4-BE49-F238E27FC236}">
-                <a16:creationId xmlns:a16="http://schemas.microsoft.com/office/drawing/2014/main" id="{EAA48FC5-3C83-4F1B-BC33-DF0B588F8317}"/>
+                <a16:creationId xmlns:a16="http://schemas.microsoft.com/office/drawing/2014/main" xmlns="" id="{EAA48FC5-3C83-4F1B-BC33-DF0B588F8317}"/>
               </a:ext>
               <a:ext uri="{C183D7F6-B498-43B3-948B-1728B52AA6E4}">
-                <adec:decorative xmlns:adec="http://schemas.microsoft.com/office/drawing/2017/decorative" val="1"/>
+                <adec:decorative xmlns:adec="http://schemas.microsoft.com/office/drawing/2017/decorative" xmlns="" val="1"/>
               </a:ext>
             </a:extLst>
           </p:cNvPr>
@@ -24365,7 +24436,7 @@
           <p:nvPr>
             <p:extLst>
               <p:ext uri="{386F3935-93C4-4BCD-93E2-E3B085C9AB24}">
-                <p16:designElem xmlns:p16="http://schemas.microsoft.com/office/powerpoint/2015/main" val="1"/>
+                <p16:designElem xmlns:p16="http://schemas.microsoft.com/office/powerpoint/2015/main" xmlns="" val="1"/>
               </p:ext>
             </p:extLst>
           </p:nvPr>
@@ -24415,7 +24486,7 @@
           <p:cNvPr id="2" name="Title 1">
             <a:extLst>
               <a:ext uri="{FF2B5EF4-FFF2-40B4-BE49-F238E27FC236}">
-                <a16:creationId xmlns:a16="http://schemas.microsoft.com/office/drawing/2014/main" id="{DE3D84FB-5D02-47D2-98FD-4F01A02E2AEA}"/>
+                <a16:creationId xmlns:a16="http://schemas.microsoft.com/office/drawing/2014/main" xmlns="" id="{DE3D84FB-5D02-47D2-98FD-4F01A02E2AEA}"/>
               </a:ext>
             </a:extLst>
           </p:cNvPr>
@@ -24470,7 +24541,7 @@
           <p:cNvPr id="3" name="Subtitle 2">
             <a:extLst>
               <a:ext uri="{FF2B5EF4-FFF2-40B4-BE49-F238E27FC236}">
-                <a16:creationId xmlns:a16="http://schemas.microsoft.com/office/drawing/2014/main" id="{E9F6641D-ADF3-40BD-9BA3-E740E77C8826}"/>
+                <a16:creationId xmlns:a16="http://schemas.microsoft.com/office/drawing/2014/main" xmlns="" id="{E9F6641D-ADF3-40BD-9BA3-E740E77C8826}"/>
               </a:ext>
             </a:extLst>
           </p:cNvPr>
@@ -24509,10 +24580,10 @@
           <p:cNvPr id="23" name="Straight Connector 22">
             <a:extLst>
               <a:ext uri="{FF2B5EF4-FFF2-40B4-BE49-F238E27FC236}">
-                <a16:creationId xmlns:a16="http://schemas.microsoft.com/office/drawing/2014/main" id="{62F01714-1A39-4194-BD47-8A9960C59985}"/>
+                <a16:creationId xmlns:a16="http://schemas.microsoft.com/office/drawing/2014/main" xmlns="" id="{62F01714-1A39-4194-BD47-8A9960C59985}"/>
               </a:ext>
               <a:ext uri="{C183D7F6-B498-43B3-948B-1728B52AA6E4}">
-                <adec:decorative xmlns:adec="http://schemas.microsoft.com/office/drawing/2017/decorative" val="1"/>
+                <adec:decorative xmlns:adec="http://schemas.microsoft.com/office/drawing/2017/decorative" xmlns="" val="1"/>
               </a:ext>
             </a:extLst>
           </p:cNvPr>
@@ -24522,7 +24593,7 @@
           <p:nvPr>
             <p:extLst>
               <p:ext uri="{386F3935-93C4-4BCD-93E2-E3B085C9AB24}">
-                <p16:designElem xmlns:p16="http://schemas.microsoft.com/office/powerpoint/2015/main" val="1"/>
+                <p16:designElem xmlns:p16="http://schemas.microsoft.com/office/powerpoint/2015/main" xmlns="" val="1"/>
               </p:ext>
             </p:extLst>
           </p:nvPr>
@@ -24559,7 +24630,7 @@
     </p:spTree>
     <p:extLst>
       <p:ext uri="{BB962C8B-B14F-4D97-AF65-F5344CB8AC3E}">
-        <p14:creationId xmlns:p14="http://schemas.microsoft.com/office/powerpoint/2010/main" val="676527846"/>
+        <p14:creationId xmlns:p14="http://schemas.microsoft.com/office/powerpoint/2010/main" xmlns="" val="676527846"/>
       </p:ext>
     </p:extLst>
   </p:cSld>
@@ -24591,7 +24662,7 @@
           <p:cNvPr id="8" name="Title 7">
             <a:extLst>
               <a:ext uri="{FF2B5EF4-FFF2-40B4-BE49-F238E27FC236}">
-                <a16:creationId xmlns:a16="http://schemas.microsoft.com/office/drawing/2014/main" id="{DBEB8FBA-1B91-466B-9B3B-54FCF2FCEC5C}"/>
+                <a16:creationId xmlns:a16="http://schemas.microsoft.com/office/drawing/2014/main" xmlns="" id="{DBEB8FBA-1B91-466B-9B3B-54FCF2FCEC5C}"/>
               </a:ext>
             </a:extLst>
           </p:cNvPr>
@@ -24635,7 +24706,7 @@
           <p:cNvPr id="9" name="Content Placeholder 8">
             <a:extLst>
               <a:ext uri="{FF2B5EF4-FFF2-40B4-BE49-F238E27FC236}">
-                <a16:creationId xmlns:a16="http://schemas.microsoft.com/office/drawing/2014/main" id="{B2F3C806-46F3-4D4B-B11F-178167EF641B}"/>
+                <a16:creationId xmlns:a16="http://schemas.microsoft.com/office/drawing/2014/main" xmlns="" id="{B2F3C806-46F3-4D4B-B11F-178167EF641B}"/>
               </a:ext>
             </a:extLst>
           </p:cNvPr>
@@ -24663,8 +24734,29 @@
           <a:p>
             <a:r>
               <a:rPr lang="en-US" sz="2800" dirty="0"/>
-              <a:t>Since we all know that how rapidly active cases of Coronavirus are increasing day by day making it difficult for labs and doctors ko test and provide report early</a:t>
+              <a:t>Since we all know that how rapidly active cases of Coronavirus are increasing day by day </a:t>
             </a:r>
+            <a:r>
+              <a:rPr lang="en-US" sz="2800" dirty="0" smtClean="0"/>
+              <a:t>hence making </a:t>
+            </a:r>
+            <a:r>
+              <a:rPr lang="en-US" sz="2800" dirty="0"/>
+              <a:t>it difficult for labs and doctors </a:t>
+            </a:r>
+            <a:r>
+              <a:rPr lang="en-US" sz="2800" dirty="0" smtClean="0"/>
+              <a:t>to </a:t>
+            </a:r>
+            <a:r>
+              <a:rPr lang="en-US" sz="2800" dirty="0"/>
+              <a:t>test and provide report </a:t>
+            </a:r>
+            <a:r>
+              <a:rPr lang="en-US" sz="2800" dirty="0" smtClean="0"/>
+              <a:t>early.</a:t>
+            </a:r>
+            <a:endParaRPr lang="en-US" sz="2800" dirty="0"/>
           </a:p>
           <a:p>
             <a:endParaRPr lang="en-US" sz="2800" dirty="0"/>
@@ -24672,15 +24764,28 @@
           <a:p>
             <a:r>
               <a:rPr lang="en-US" sz="2800" dirty="0"/>
-              <a:t>So we decided to make a model that would take up parameters of different tests and will give predict if the person is positive or not</a:t>
+              <a:t>So we decided to make a model that would take up parameters of different tests and </a:t>
             </a:r>
+            <a:r>
+              <a:rPr lang="en-US" sz="2800" dirty="0" smtClean="0"/>
+              <a:t>will predict </a:t>
+            </a:r>
+            <a:r>
+              <a:rPr lang="en-US" sz="2800" dirty="0"/>
+              <a:t>if the person is positive or </a:t>
+            </a:r>
+            <a:r>
+              <a:rPr lang="en-US" sz="2800" dirty="0" smtClean="0"/>
+              <a:t>not!</a:t>
+            </a:r>
+            <a:endParaRPr lang="en-US" sz="2800" dirty="0"/>
           </a:p>
         </p:txBody>
       </p:sp>
     </p:spTree>
     <p:extLst>
       <p:ext uri="{BB962C8B-B14F-4D97-AF65-F5344CB8AC3E}">
-        <p14:creationId xmlns:p14="http://schemas.microsoft.com/office/powerpoint/2010/main" val="2965642311"/>
+        <p14:creationId xmlns:p14="http://schemas.microsoft.com/office/powerpoint/2010/main" xmlns="" val="2965642311"/>
       </p:ext>
     </p:extLst>
   </p:cSld>
@@ -24712,7 +24817,7 @@
           <p:cNvPr id="8" name="Title 7">
             <a:extLst>
               <a:ext uri="{FF2B5EF4-FFF2-40B4-BE49-F238E27FC236}">
-                <a16:creationId xmlns:a16="http://schemas.microsoft.com/office/drawing/2014/main" id="{DBEB8FBA-1B91-466B-9B3B-54FCF2FCEC5C}"/>
+                <a16:creationId xmlns:a16="http://schemas.microsoft.com/office/drawing/2014/main" xmlns="" id="{DBEB8FBA-1B91-466B-9B3B-54FCF2FCEC5C}"/>
               </a:ext>
             </a:extLst>
           </p:cNvPr>
@@ -24738,7 +24843,11 @@
             <a:pPr algn="ctr"/>
             <a:r>
               <a:rPr lang="en-US" sz="5400" dirty="0"/>
-              <a:t>Team Rebels (3 Members)</a:t>
+              <a:t>Team Rebels </a:t>
+            </a:r>
+            <a:r>
+              <a:rPr lang="en-US" sz="5400" dirty="0" smtClean="0"/>
+              <a:t>(Members &amp; Their Domains)</a:t>
             </a:r>
             <a:endParaRPr lang="en-IN" sz="5400" dirty="0"/>
           </a:p>
@@ -24749,7 +24858,7 @@
           <p:cNvPr id="9" name="Content Placeholder 8">
             <a:extLst>
               <a:ext uri="{FF2B5EF4-FFF2-40B4-BE49-F238E27FC236}">
-                <a16:creationId xmlns:a16="http://schemas.microsoft.com/office/drawing/2014/main" id="{B2F3C806-46F3-4D4B-B11F-178167EF641B}"/>
+                <a16:creationId xmlns:a16="http://schemas.microsoft.com/office/drawing/2014/main" xmlns="" id="{B2F3C806-46F3-4D4B-B11F-178167EF641B}"/>
               </a:ext>
             </a:extLst>
           </p:cNvPr>
@@ -24778,7 +24887,15 @@
             </a:pPr>
             <a:r>
               <a:rPr lang="en-US" sz="2800" dirty="0"/>
-              <a:t>Jayant Jain (Team Leader)- Good at ML and Data Science</a:t>
+              <a:t>Jayant Jain (Team Leader)- </a:t>
+            </a:r>
+            <a:r>
+              <a:rPr lang="en-US" sz="2800" dirty="0" smtClean="0"/>
+              <a:t>ML </a:t>
+            </a:r>
+            <a:r>
+              <a:rPr lang="en-US" sz="2800" dirty="0"/>
+              <a:t>and Data Science</a:t>
             </a:r>
           </a:p>
           <a:p>
@@ -24795,7 +24912,23 @@
             </a:pPr>
             <a:r>
               <a:rPr lang="en-US" sz="2800" dirty="0"/>
-              <a:t>Praddyumn Shukla- Good at Web, Python and Cloud</a:t>
+              <a:t>Praddyumn </a:t>
+            </a:r>
+            <a:r>
+              <a:rPr lang="en-US" sz="2800" dirty="0" err="1"/>
+              <a:t>Shukla</a:t>
+            </a:r>
+            <a:r>
+              <a:rPr lang="en-US" sz="2800" dirty="0"/>
+              <a:t>- </a:t>
+            </a:r>
+            <a:r>
+              <a:rPr lang="en-US" sz="2800" dirty="0" smtClean="0"/>
+              <a:t>Web Designing, </a:t>
+            </a:r>
+            <a:r>
+              <a:rPr lang="en-US" sz="2800" dirty="0"/>
+              <a:t>Python and Cloud</a:t>
             </a:r>
           </a:p>
           <a:p>
@@ -24812,7 +24945,15 @@
             </a:pPr>
             <a:r>
               <a:rPr lang="en-US" sz="2800" dirty="0"/>
-              <a:t>Vineet Kumar- Good at Web, Python, ML</a:t>
+              <a:t>Vineet Kumar- </a:t>
+            </a:r>
+            <a:r>
+              <a:rPr lang="en-US" sz="2800" dirty="0" smtClean="0"/>
+              <a:t>Web Development, </a:t>
+            </a:r>
+            <a:r>
+              <a:rPr lang="en-US" sz="2800" dirty="0"/>
+              <a:t>Python, ML</a:t>
             </a:r>
             <a:endParaRPr lang="en-IN" sz="2800" dirty="0"/>
           </a:p>
@@ -24821,7 +24962,7 @@
     </p:spTree>
     <p:extLst>
       <p:ext uri="{BB962C8B-B14F-4D97-AF65-F5344CB8AC3E}">
-        <p14:creationId xmlns:p14="http://schemas.microsoft.com/office/powerpoint/2010/main" val="2024666306"/>
+        <p14:creationId xmlns:p14="http://schemas.microsoft.com/office/powerpoint/2010/main" xmlns="" val="2024666306"/>
       </p:ext>
     </p:extLst>
   </p:cSld>
@@ -24853,7 +24994,7 @@
           <p:cNvPr id="8" name="Title 7">
             <a:extLst>
               <a:ext uri="{FF2B5EF4-FFF2-40B4-BE49-F238E27FC236}">
-                <a16:creationId xmlns:a16="http://schemas.microsoft.com/office/drawing/2014/main" id="{DBEB8FBA-1B91-466B-9B3B-54FCF2FCEC5C}"/>
+                <a16:creationId xmlns:a16="http://schemas.microsoft.com/office/drawing/2014/main" xmlns="" id="{DBEB8FBA-1B91-466B-9B3B-54FCF2FCEC5C}"/>
               </a:ext>
             </a:extLst>
           </p:cNvPr>
@@ -24890,7 +25031,7 @@
           <p:cNvPr id="9" name="Content Placeholder 8">
             <a:extLst>
               <a:ext uri="{FF2B5EF4-FFF2-40B4-BE49-F238E27FC236}">
-                <a16:creationId xmlns:a16="http://schemas.microsoft.com/office/drawing/2014/main" id="{B2F3C806-46F3-4D4B-B11F-178167EF641B}"/>
+                <a16:creationId xmlns:a16="http://schemas.microsoft.com/office/drawing/2014/main" xmlns="" id="{B2F3C806-46F3-4D4B-B11F-178167EF641B}"/>
               </a:ext>
             </a:extLst>
           </p:cNvPr>
@@ -24909,7 +25050,7 @@
         </p:spPr>
         <p:txBody>
           <a:bodyPr>
-            <a:normAutofit/>
+            <a:normAutofit lnSpcReduction="10000"/>
           </a:bodyPr>
           <a:lstStyle/>
           <a:p>
@@ -24918,8 +25059,21 @@
             </a:pPr>
             <a:r>
               <a:rPr lang="en-IN" sz="2800" dirty="0"/>
-              <a:t>Since we lacked accurate and large dataset accuracy was not up to the mark but can assure the model could predict with 99.99 % accuracy if accurate and large data is fed to train the model</a:t>
+              <a:t>Since we lacked accurate and large </a:t>
             </a:r>
+            <a:r>
+              <a:rPr lang="en-IN" sz="2800" dirty="0" smtClean="0"/>
+              <a:t>dataset, hence accuracy </a:t>
+            </a:r>
+            <a:r>
+              <a:rPr lang="en-IN" sz="2800" dirty="0"/>
+              <a:t>was not up to the mark but can assure the model could predict with 99.99 % accuracy if accurate and large data is fed to train the </a:t>
+            </a:r>
+            <a:r>
+              <a:rPr lang="en-IN" sz="2800" dirty="0" smtClean="0"/>
+              <a:t>model !</a:t>
+            </a:r>
+            <a:endParaRPr lang="en-IN" sz="2800" dirty="0"/>
           </a:p>
           <a:p>
             <a:pPr marL="0" indent="0">
@@ -24962,7 +25116,7 @@
     </p:spTree>
     <p:extLst>
       <p:ext uri="{BB962C8B-B14F-4D97-AF65-F5344CB8AC3E}">
-        <p14:creationId xmlns:p14="http://schemas.microsoft.com/office/powerpoint/2010/main" val="2303599782"/>
+        <p14:creationId xmlns:p14="http://schemas.microsoft.com/office/powerpoint/2010/main" xmlns="" val="2303599782"/>
       </p:ext>
     </p:extLst>
   </p:cSld>
@@ -24994,7 +25148,7 @@
           <p:cNvPr id="2" name="Picture 1">
             <a:extLst>
               <a:ext uri="{FF2B5EF4-FFF2-40B4-BE49-F238E27FC236}">
-                <a16:creationId xmlns:a16="http://schemas.microsoft.com/office/drawing/2014/main" id="{6D5E7680-2799-4385-B8E9-384616793287}"/>
+                <a16:creationId xmlns:a16="http://schemas.microsoft.com/office/drawing/2014/main" xmlns="" id="{6D5E7680-2799-4385-B8E9-384616793287}"/>
               </a:ext>
             </a:extLst>
           </p:cNvPr>
@@ -25038,7 +25192,7 @@
           <p:cNvPr id="3" name="Title 2">
             <a:extLst>
               <a:ext uri="{FF2B5EF4-FFF2-40B4-BE49-F238E27FC236}">
-                <a16:creationId xmlns:a16="http://schemas.microsoft.com/office/drawing/2014/main" id="{EFE3A786-B9A8-4A6F-8354-723FBDEC0E53}"/>
+                <a16:creationId xmlns:a16="http://schemas.microsoft.com/office/drawing/2014/main" xmlns="" id="{EFE3A786-B9A8-4A6F-8354-723FBDEC0E53}"/>
               </a:ext>
             </a:extLst>
           </p:cNvPr>
@@ -25068,7 +25222,7 @@
           <p:cNvPr id="4" name="TextBox 3">
             <a:extLst>
               <a:ext uri="{FF2B5EF4-FFF2-40B4-BE49-F238E27FC236}">
-                <a16:creationId xmlns:a16="http://schemas.microsoft.com/office/drawing/2014/main" id="{4468F027-A74C-4B14-9E3E-7E87A6A6C8DD}"/>
+                <a16:creationId xmlns:a16="http://schemas.microsoft.com/office/drawing/2014/main" xmlns="" id="{4468F027-A74C-4B14-9E3E-7E87A6A6C8DD}"/>
               </a:ext>
             </a:extLst>
           </p:cNvPr>
@@ -25102,7 +25256,7 @@
     </p:spTree>
     <p:extLst>
       <p:ext uri="{BB962C8B-B14F-4D97-AF65-F5344CB8AC3E}">
-        <p14:creationId xmlns:p14="http://schemas.microsoft.com/office/powerpoint/2010/main" val="1025883219"/>
+        <p14:creationId xmlns:p14="http://schemas.microsoft.com/office/powerpoint/2010/main" xmlns="" val="1025883219"/>
       </p:ext>
     </p:extLst>
   </p:cSld>
@@ -25134,7 +25288,7 @@
           <p:cNvPr id="8" name="Title 7">
             <a:extLst>
               <a:ext uri="{FF2B5EF4-FFF2-40B4-BE49-F238E27FC236}">
-                <a16:creationId xmlns:a16="http://schemas.microsoft.com/office/drawing/2014/main" id="{DBEB8FBA-1B91-466B-9B3B-54FCF2FCEC5C}"/>
+                <a16:creationId xmlns:a16="http://schemas.microsoft.com/office/drawing/2014/main" xmlns="" id="{DBEB8FBA-1B91-466B-9B3B-54FCF2FCEC5C}"/>
               </a:ext>
             </a:extLst>
           </p:cNvPr>
@@ -25171,7 +25325,7 @@
           <p:cNvPr id="9" name="Content Placeholder 8">
             <a:extLst>
               <a:ext uri="{FF2B5EF4-FFF2-40B4-BE49-F238E27FC236}">
-                <a16:creationId xmlns:a16="http://schemas.microsoft.com/office/drawing/2014/main" id="{B2F3C806-46F3-4D4B-B11F-178167EF641B}"/>
+                <a16:creationId xmlns:a16="http://schemas.microsoft.com/office/drawing/2014/main" xmlns="" id="{B2F3C806-46F3-4D4B-B11F-178167EF641B}"/>
               </a:ext>
             </a:extLst>
           </p:cNvPr>
@@ -25248,7 +25402,7 @@
     </p:spTree>
     <p:extLst>
       <p:ext uri="{BB962C8B-B14F-4D97-AF65-F5344CB8AC3E}">
-        <p14:creationId xmlns:p14="http://schemas.microsoft.com/office/powerpoint/2010/main" val="4156266274"/>
+        <p14:creationId xmlns:p14="http://schemas.microsoft.com/office/powerpoint/2010/main" xmlns="" val="4156266274"/>
       </p:ext>
     </p:extLst>
   </p:cSld>
@@ -25280,7 +25434,7 @@
           <p:cNvPr id="8" name="Title 7">
             <a:extLst>
               <a:ext uri="{FF2B5EF4-FFF2-40B4-BE49-F238E27FC236}">
-                <a16:creationId xmlns:a16="http://schemas.microsoft.com/office/drawing/2014/main" id="{DBEB8FBA-1B91-466B-9B3B-54FCF2FCEC5C}"/>
+                <a16:creationId xmlns:a16="http://schemas.microsoft.com/office/drawing/2014/main" xmlns="" id="{DBEB8FBA-1B91-466B-9B3B-54FCF2FCEC5C}"/>
               </a:ext>
             </a:extLst>
           </p:cNvPr>
@@ -25305,8 +25459,12 @@
           <a:p>
             <a:pPr algn="ctr"/>
             <a:r>
+              <a:rPr lang="en-US" sz="5400" dirty="0" smtClean="0"/>
+              <a:t>TECH Stack </a:t>
+            </a:r>
+            <a:r>
               <a:rPr lang="en-US" sz="5400" dirty="0"/>
-              <a:t>TECHNOLOGY AND TOOLS USED</a:t>
+              <a:t>USED</a:t>
             </a:r>
             <a:endParaRPr lang="en-IN" sz="5400" dirty="0"/>
           </a:p>
@@ -25317,7 +25475,7 @@
           <p:cNvPr id="9" name="Content Placeholder 8">
             <a:extLst>
               <a:ext uri="{FF2B5EF4-FFF2-40B4-BE49-F238E27FC236}">
-                <a16:creationId xmlns:a16="http://schemas.microsoft.com/office/drawing/2014/main" id="{B2F3C806-46F3-4D4B-B11F-178167EF641B}"/>
+                <a16:creationId xmlns:a16="http://schemas.microsoft.com/office/drawing/2014/main" xmlns="" id="{B2F3C806-46F3-4D4B-B11F-178167EF641B}"/>
               </a:ext>
             </a:extLst>
           </p:cNvPr>
@@ -25399,7 +25557,7 @@
     </p:spTree>
     <p:extLst>
       <p:ext uri="{BB962C8B-B14F-4D97-AF65-F5344CB8AC3E}">
-        <p14:creationId xmlns:p14="http://schemas.microsoft.com/office/powerpoint/2010/main" val="1015397509"/>
+        <p14:creationId xmlns:p14="http://schemas.microsoft.com/office/powerpoint/2010/main" xmlns="" val="1015397509"/>
       </p:ext>
     </p:extLst>
   </p:cSld>
@@ -25439,7 +25597,7 @@
           <p:cNvPr id="2" name="Title 1">
             <a:extLst>
               <a:ext uri="{FF2B5EF4-FFF2-40B4-BE49-F238E27FC236}">
-                <a16:creationId xmlns:a16="http://schemas.microsoft.com/office/drawing/2014/main" id="{7A4919D0-F177-4BBA-9A0B-DBA69E2ED764}"/>
+                <a16:creationId xmlns:a16="http://schemas.microsoft.com/office/drawing/2014/main" xmlns="" id="{7A4919D0-F177-4BBA-9A0B-DBA69E2ED764}"/>
               </a:ext>
             </a:extLst>
           </p:cNvPr>
@@ -25475,7 +25633,7 @@
           <p:cNvPr id="5" name="Content Placeholder 2" descr="SmartArt graphic placeholder">
             <a:extLst>
               <a:ext uri="{FF2B5EF4-FFF2-40B4-BE49-F238E27FC236}">
-                <a16:creationId xmlns:a16="http://schemas.microsoft.com/office/drawing/2014/main" id="{91DB1382-7276-49FA-9632-38D558F457E3}"/>
+                <a16:creationId xmlns:a16="http://schemas.microsoft.com/office/drawing/2014/main" xmlns="" id="{91DB1382-7276-49FA-9632-38D558F457E3}"/>
               </a:ext>
             </a:extLst>
           </p:cNvPr>
@@ -25486,7 +25644,7 @@
             <p:ph idx="1"/>
             <p:extLst>
               <p:ext uri="{D42A27DB-BD31-4B8C-83A1-F6EECF244321}">
-                <p14:modId xmlns:p14="http://schemas.microsoft.com/office/powerpoint/2010/main" val="2052183447"/>
+                <p14:modId xmlns:p14="http://schemas.microsoft.com/office/powerpoint/2010/main" xmlns="" val="2052183447"/>
               </p:ext>
             </p:extLst>
           </p:nvPr>
@@ -25504,7 +25662,7 @@
     </p:spTree>
     <p:extLst>
       <p:ext uri="{BB962C8B-B14F-4D97-AF65-F5344CB8AC3E}">
-        <p14:creationId xmlns:p14="http://schemas.microsoft.com/office/powerpoint/2010/main" val="1401741552"/>
+        <p14:creationId xmlns:p14="http://schemas.microsoft.com/office/powerpoint/2010/main" xmlns="" val="1401741552"/>
       </p:ext>
     </p:extLst>
   </p:cSld>
@@ -25536,7 +25694,7 @@
           <p:cNvPr id="8" name="Title 7">
             <a:extLst>
               <a:ext uri="{FF2B5EF4-FFF2-40B4-BE49-F238E27FC236}">
-                <a16:creationId xmlns:a16="http://schemas.microsoft.com/office/drawing/2014/main" id="{DBEB8FBA-1B91-466B-9B3B-54FCF2FCEC5C}"/>
+                <a16:creationId xmlns:a16="http://schemas.microsoft.com/office/drawing/2014/main" xmlns="" id="{DBEB8FBA-1B91-466B-9B3B-54FCF2FCEC5C}"/>
               </a:ext>
             </a:extLst>
           </p:cNvPr>
@@ -25573,7 +25731,7 @@
           <p:cNvPr id="9" name="Content Placeholder 8">
             <a:extLst>
               <a:ext uri="{FF2B5EF4-FFF2-40B4-BE49-F238E27FC236}">
-                <a16:creationId xmlns:a16="http://schemas.microsoft.com/office/drawing/2014/main" id="{B2F3C806-46F3-4D4B-B11F-178167EF641B}"/>
+                <a16:creationId xmlns:a16="http://schemas.microsoft.com/office/drawing/2014/main" xmlns="" id="{B2F3C806-46F3-4D4B-B11F-178167EF641B}"/>
               </a:ext>
             </a:extLst>
           </p:cNvPr>
@@ -25647,7 +25805,7 @@
     </p:spTree>
     <p:extLst>
       <p:ext uri="{BB962C8B-B14F-4D97-AF65-F5344CB8AC3E}">
-        <p14:creationId xmlns:p14="http://schemas.microsoft.com/office/powerpoint/2010/main" val="3884949760"/>
+        <p14:creationId xmlns:p14="http://schemas.microsoft.com/office/powerpoint/2010/main" xmlns="" val="3884949760"/>
       </p:ext>
     </p:extLst>
   </p:cSld>
@@ -25700,7 +25858,7 @@
     </a:clrScheme>
     <a:fontScheme name="Integral">
       <a:majorFont>
-        <a:latin typeface="Tw Cen MT Condensed" panose="020B0606020104020203"/>
+        <a:latin typeface="Tw Cen MT Condensed"/>
         <a:ea typeface=""/>
         <a:cs typeface=""/>
         <a:font script="Grek" typeface="Calibri"/>
@@ -25737,7 +25895,7 @@
         <a:font script="Geor" typeface="Sylfaen"/>
       </a:majorFont>
       <a:minorFont>
-        <a:latin typeface="Tw Cen MT" panose="020B0602020104020603"/>
+        <a:latin typeface="Tw Cen MT"/>
         <a:ea typeface=""/>
         <a:cs typeface=""/>
         <a:font script="Grek" typeface="Calibri"/>
@@ -25919,7 +26077,7 @@
   <a:extraClrSchemeLst/>
   <a:extLst>
     <a:ext uri="{05A4C25C-085E-4340-85A3-A5531E510DB2}">
-      <thm15:themeFamily xmlns:thm15="http://schemas.microsoft.com/office/thememl/2012/main" name="Integral" id="{3577F8C9-A904-41D8-97D2-FD898F53F20E}" vid="{682D6EBE-8D36-4FF2-9DB3-F3D8D7B6715D}"/>
+      <thm15:themeFamily xmlns:thm15="http://schemas.microsoft.com/office/thememl/2012/main" xmlns="" name="Integral" id="{3577F8C9-A904-41D8-97D2-FD898F53F20E}" vid="{682D6EBE-8D36-4FF2-9DB3-F3D8D7B6715D}"/>
     </a:ext>
   </a:extLst>
 </a:theme>
@@ -25968,7 +26126,7 @@
     </a:clrScheme>
     <a:fontScheme name="Office">
       <a:majorFont>
-        <a:latin typeface="Calibri Light" panose="020F0302020204030204"/>
+        <a:latin typeface="Calibri Light"/>
         <a:ea typeface=""/>
         <a:cs typeface=""/>
         <a:font script="Jpan" typeface="游ゴシック Light"/>
@@ -26020,7 +26178,7 @@
         <a:font script="Tfng" typeface="Ebrima"/>
       </a:majorFont>
       <a:minorFont>
-        <a:latin typeface="Calibri" panose="020F0502020204030204"/>
+        <a:latin typeface="Calibri"/>
         <a:ea typeface=""/>
         <a:cs typeface=""/>
         <a:font script="Jpan" typeface="游ゴシック"/>
@@ -26214,13 +26372,30 @@
   <a:extraClrSchemeLst/>
   <a:extLst>
     <a:ext uri="{05A4C25C-085E-4340-85A3-A5531E510DB2}">
-      <thm15:themeFamily xmlns:thm15="http://schemas.microsoft.com/office/thememl/2012/main" name="Office Theme" id="{62F939B6-93AF-4DB8-9C6B-D6C7DFDC589F}" vid="{4A3C46E8-61CC-4603-A589-7422A47A8E4A}"/>
+      <thm15:themeFamily xmlns:thm15="http://schemas.microsoft.com/office/thememl/2012/main" xmlns="" name="Office Theme" id="{62F939B6-93AF-4DB8-9C6B-D6C7DFDC589F}" vid="{4A3C46E8-61CC-4603-A589-7422A47A8E4A}"/>
     </a:ext>
   </a:extLst>
 </a:theme>
 </file>
 
 <file path=customXml/item1.xml><?xml version="1.0" encoding="utf-8"?>
+<p:properties xmlns:p="http://schemas.microsoft.com/office/2006/metadata/properties" xmlns:xsi="http://www.w3.org/2001/XMLSchema-instance" xmlns:pc="http://schemas.microsoft.com/office/infopath/2007/PartnerControls">
+  <documentManagement>
+    <MediaServiceKeyPoints xmlns="71af3243-3dd4-4a8d-8c0d-dd76da1f02a5" xsi:nil="true"/>
+  </documentManagement>
+</p:properties>
+</file>
+
+<file path=customXml/item2.xml><?xml version="1.0" encoding="utf-8"?>
+<?mso-contentType ?>
+<FormTemplates xmlns="http://schemas.microsoft.com/sharepoint/v3/contenttype/forms">
+  <Display>DocumentLibraryForm</Display>
+  <Edit>DocumentLibraryForm</Edit>
+  <New>DocumentLibraryForm</New>
+</FormTemplates>
+</file>
+
+<file path=customXml/item3.xml><?xml version="1.0" encoding="utf-8"?>
 <ct:contentTypeSchema xmlns:ct="http://schemas.microsoft.com/office/2006/metadata/contentType" xmlns:ma="http://schemas.microsoft.com/office/2006/metadata/properties/metaAttributes" ct:_="" ma:_="" ma:contentTypeName="Document" ma:contentTypeID="0x01010079F111ED35F8CC479449609E8A0923A6" ma:contentTypeVersion="11" ma:contentTypeDescription="Create a new document." ma:contentTypeScope="" ma:versionID="9677210f24a1be23c92c90fd886aa0aa">
   <xsd:schema xmlns:xsd="http://www.w3.org/2001/XMLSchema" xmlns:xs="http://www.w3.org/2001/XMLSchema" xmlns:p="http://schemas.microsoft.com/office/2006/metadata/properties" xmlns:ns2="71af3243-3dd4-4a8d-8c0d-dd76da1f02a5" xmlns:ns3="16c05727-aa75-4e4a-9b5f-8a80a1165891" targetNamespace="http://schemas.microsoft.com/office/2006/metadata/properties" ma:root="true" ma:fieldsID="60e05723c5c1908df1a1a4ebf11d344e" ns2:_="" ns3:_="">
     <xsd:import namespace="71af3243-3dd4-4a8d-8c0d-dd76da1f02a5"/>
@@ -26431,24 +26606,32 @@
 </ct:contentTypeSchema>
 </file>
 
-<file path=customXml/item2.xml><?xml version="1.0" encoding="utf-8"?>
-<?mso-contentType ?>
-<FormTemplates xmlns="http://schemas.microsoft.com/sharepoint/v3/contenttype/forms">
-  <Display>DocumentLibraryForm</Display>
-  <Edit>DocumentLibraryForm</Edit>
-  <New>DocumentLibraryForm</New>
-</FormTemplates>
+<file path=customXml/itemProps1.xml><?xml version="1.0" encoding="utf-8"?>
+<ds:datastoreItem xmlns:ds="http://schemas.openxmlformats.org/officeDocument/2006/customXml" ds:itemID="{788A2F88-55C5-4ED1-9541-807C65424763}">
+  <ds:schemaRefs>
+    <ds:schemaRef ds:uri="http://www.w3.org/XML/1998/namespace"/>
+    <ds:schemaRef ds:uri="http://purl.org/dc/elements/1.1/"/>
+    <ds:schemaRef ds:uri="http://schemas.microsoft.com/office/2006/documentManagement/types"/>
+    <ds:schemaRef ds:uri="http://schemas.openxmlformats.org/package/2006/metadata/core-properties"/>
+    <ds:schemaRef ds:uri="http://schemas.microsoft.com/office/infopath/2007/PartnerControls"/>
+    <ds:schemaRef ds:uri="http://schemas.microsoft.com/office/2006/metadata/properties"/>
+    <ds:schemaRef ds:uri="16c05727-aa75-4e4a-9b5f-8a80a1165891"/>
+    <ds:schemaRef ds:uri="71af3243-3dd4-4a8d-8c0d-dd76da1f02a5"/>
+    <ds:schemaRef ds:uri="http://purl.org/dc/dcmitype/"/>
+    <ds:schemaRef ds:uri="http://purl.org/dc/terms/"/>
+  </ds:schemaRefs>
+</ds:datastoreItem>
 </file>
 
-<file path=customXml/item3.xml><?xml version="1.0" encoding="utf-8"?>
-<p:properties xmlns:p="http://schemas.microsoft.com/office/2006/metadata/properties" xmlns:xsi="http://www.w3.org/2001/XMLSchema-instance" xmlns:pc="http://schemas.microsoft.com/office/infopath/2007/PartnerControls">
-  <documentManagement>
-    <MediaServiceKeyPoints xmlns="71af3243-3dd4-4a8d-8c0d-dd76da1f02a5" xsi:nil="true"/>
-  </documentManagement>
-</p:properties>
+<file path=customXml/itemProps2.xml><?xml version="1.0" encoding="utf-8"?>
+<ds:datastoreItem xmlns:ds="http://schemas.openxmlformats.org/officeDocument/2006/customXml" ds:itemID="{4F44C90D-2A62-4985-9618-3460247437B1}">
+  <ds:schemaRefs>
+    <ds:schemaRef ds:uri="http://schemas.microsoft.com/sharepoint/v3/contenttype/forms"/>
+  </ds:schemaRefs>
+</ds:datastoreItem>
 </file>
 
-<file path=customXml/itemProps1.xml><?xml version="1.0" encoding="utf-8"?>
+<file path=customXml/itemProps3.xml><?xml version="1.0" encoding="utf-8"?>
 <ds:datastoreItem xmlns:ds="http://schemas.openxmlformats.org/officeDocument/2006/customXml" ds:itemID="{B61EAB5F-88FC-4FAE-AE3C-037A3C365EB8}">
   <ds:schemaRefs>
     <ds:schemaRef ds:uri="http://schemas.microsoft.com/office/2006/metadata/contentType"/>
@@ -26465,29 +26648,4 @@
     <ds:schemaRef ds:uri="http://schemas.microsoft.com/internal/obd"/>
   </ds:schemaRefs>
 </ds:datastoreItem>
-</file>
-
-<file path=customXml/itemProps2.xml><?xml version="1.0" encoding="utf-8"?>
-<ds:datastoreItem xmlns:ds="http://schemas.openxmlformats.org/officeDocument/2006/customXml" ds:itemID="{4F44C90D-2A62-4985-9618-3460247437B1}">
-  <ds:schemaRefs>
-    <ds:schemaRef ds:uri="http://schemas.microsoft.com/sharepoint/v3/contenttype/forms"/>
-  </ds:schemaRefs>
-</ds:datastoreItem>
-</file>
-
-<file path=customXml/itemProps3.xml><?xml version="1.0" encoding="utf-8"?>
-<ds:datastoreItem xmlns:ds="http://schemas.openxmlformats.org/officeDocument/2006/customXml" ds:itemID="{788A2F88-55C5-4ED1-9541-807C65424763}">
-  <ds:schemaRefs>
-    <ds:schemaRef ds:uri="http://www.w3.org/XML/1998/namespace"/>
-    <ds:schemaRef ds:uri="http://purl.org/dc/elements/1.1/"/>
-    <ds:schemaRef ds:uri="http://schemas.microsoft.com/office/2006/documentManagement/types"/>
-    <ds:schemaRef ds:uri="http://schemas.openxmlformats.org/package/2006/metadata/core-properties"/>
-    <ds:schemaRef ds:uri="http://schemas.microsoft.com/office/infopath/2007/PartnerControls"/>
-    <ds:schemaRef ds:uri="http://schemas.microsoft.com/office/2006/metadata/properties"/>
-    <ds:schemaRef ds:uri="16c05727-aa75-4e4a-9b5f-8a80a1165891"/>
-    <ds:schemaRef ds:uri="71af3243-3dd4-4a8d-8c0d-dd76da1f02a5"/>
-    <ds:schemaRef ds:uri="http://purl.org/dc/dcmitype/"/>
-    <ds:schemaRef ds:uri="http://purl.org/dc/terms/"/>
-  </ds:schemaRefs>
-</ds:datastoreItem>
 </file>